--- a/Prelim/fs_graphic.pptx
+++ b/Prelim/fs_graphic.pptx
@@ -300,7 +300,7 @@
           <a:p>
             <a:fld id="{CA03A4C8-7327-4125-B40E-B37CE817E856}" type="datetimeFigureOut">
               <a:rPr lang="en-US" smtClean="0"/>
-              <a:t>11/8/2021</a:t>
+              <a:t>11/9/2022</a:t>
             </a:fld>
             <a:endParaRPr lang="en-US"/>
           </a:p>
@@ -498,7 +498,7 @@
           <a:p>
             <a:fld id="{CA03A4C8-7327-4125-B40E-B37CE817E856}" type="datetimeFigureOut">
               <a:rPr lang="en-US" smtClean="0"/>
-              <a:t>11/8/2021</a:t>
+              <a:t>11/9/2022</a:t>
             </a:fld>
             <a:endParaRPr lang="en-US"/>
           </a:p>
@@ -706,7 +706,7 @@
           <a:p>
             <a:fld id="{CA03A4C8-7327-4125-B40E-B37CE817E856}" type="datetimeFigureOut">
               <a:rPr lang="en-US" smtClean="0"/>
-              <a:t>11/8/2021</a:t>
+              <a:t>11/9/2022</a:t>
             </a:fld>
             <a:endParaRPr lang="en-US"/>
           </a:p>
@@ -904,7 +904,7 @@
           <a:p>
             <a:fld id="{CA03A4C8-7327-4125-B40E-B37CE817E856}" type="datetimeFigureOut">
               <a:rPr lang="en-US" smtClean="0"/>
-              <a:t>11/8/2021</a:t>
+              <a:t>11/9/2022</a:t>
             </a:fld>
             <a:endParaRPr lang="en-US"/>
           </a:p>
@@ -1179,7 +1179,7 @@
           <a:p>
             <a:fld id="{CA03A4C8-7327-4125-B40E-B37CE817E856}" type="datetimeFigureOut">
               <a:rPr lang="en-US" smtClean="0"/>
-              <a:t>11/8/2021</a:t>
+              <a:t>11/9/2022</a:t>
             </a:fld>
             <a:endParaRPr lang="en-US"/>
           </a:p>
@@ -1444,7 +1444,7 @@
           <a:p>
             <a:fld id="{CA03A4C8-7327-4125-B40E-B37CE817E856}" type="datetimeFigureOut">
               <a:rPr lang="en-US" smtClean="0"/>
-              <a:t>11/8/2021</a:t>
+              <a:t>11/9/2022</a:t>
             </a:fld>
             <a:endParaRPr lang="en-US"/>
           </a:p>
@@ -1856,7 +1856,7 @@
           <a:p>
             <a:fld id="{CA03A4C8-7327-4125-B40E-B37CE817E856}" type="datetimeFigureOut">
               <a:rPr lang="en-US" smtClean="0"/>
-              <a:t>11/8/2021</a:t>
+              <a:t>11/9/2022</a:t>
             </a:fld>
             <a:endParaRPr lang="en-US"/>
           </a:p>
@@ -1997,7 +1997,7 @@
           <a:p>
             <a:fld id="{CA03A4C8-7327-4125-B40E-B37CE817E856}" type="datetimeFigureOut">
               <a:rPr lang="en-US" smtClean="0"/>
-              <a:t>11/8/2021</a:t>
+              <a:t>11/9/2022</a:t>
             </a:fld>
             <a:endParaRPr lang="en-US"/>
           </a:p>
@@ -2110,7 +2110,7 @@
           <a:p>
             <a:fld id="{CA03A4C8-7327-4125-B40E-B37CE817E856}" type="datetimeFigureOut">
               <a:rPr lang="en-US" smtClean="0"/>
-              <a:t>11/8/2021</a:t>
+              <a:t>11/9/2022</a:t>
             </a:fld>
             <a:endParaRPr lang="en-US"/>
           </a:p>
@@ -2421,7 +2421,7 @@
           <a:p>
             <a:fld id="{CA03A4C8-7327-4125-B40E-B37CE817E856}" type="datetimeFigureOut">
               <a:rPr lang="en-US" smtClean="0"/>
-              <a:t>11/8/2021</a:t>
+              <a:t>11/9/2022</a:t>
             </a:fld>
             <a:endParaRPr lang="en-US"/>
           </a:p>
@@ -2709,7 +2709,7 @@
           <a:p>
             <a:fld id="{CA03A4C8-7327-4125-B40E-B37CE817E856}" type="datetimeFigureOut">
               <a:rPr lang="en-US" smtClean="0"/>
-              <a:t>11/8/2021</a:t>
+              <a:t>11/9/2022</a:t>
             </a:fld>
             <a:endParaRPr lang="en-US"/>
           </a:p>
@@ -2950,7 +2950,7 @@
           <a:p>
             <a:fld id="{CA03A4C8-7327-4125-B40E-B37CE817E856}" type="datetimeFigureOut">
               <a:rPr lang="en-US" smtClean="0"/>
-              <a:t>11/8/2021</a:t>
+              <a:t>11/9/2022</a:t>
             </a:fld>
             <a:endParaRPr lang="en-US"/>
           </a:p>
@@ -25624,10 +25624,10 @@
       </p:pic>
       <p:pic>
         <p:nvPicPr>
-          <p:cNvPr id="12" name="Picture 11" descr="\documentclass{article}&#10;\usepackage{amsmath}&#10;\pagestyle{empty}&#10;\begin{document}&#10;&#10;$Z_2  = n_A + 1$&#10;&#10;&#10;\end{document}" title="IguanaTex Bitmap Display">
-            <a:extLst>
-              <a:ext uri="{FF2B5EF4-FFF2-40B4-BE49-F238E27FC236}">
-                <a16:creationId xmlns:a16="http://schemas.microsoft.com/office/drawing/2014/main" id="{49957854-0DB1-4559-8E6A-88065E53CEC2}"/>
+          <p:cNvPr id="3" name="Picture 2" descr="\documentclass{article}&#10;\usepackage{amsmath}&#10;\pagestyle{empty}&#10;\begin{document}&#10;&#10;$Z_2  = 0$&#10;&#10;&#10;\end{document}" title="IguanaTex Bitmap Display">
+            <a:extLst>
+              <a:ext uri="{FF2B5EF4-FFF2-40B4-BE49-F238E27FC236}">
+                <a16:creationId xmlns:a16="http://schemas.microsoft.com/office/drawing/2014/main" id="{81475072-1004-BDA5-FD6B-0D7A091A51B4}"/>
               </a:ext>
             </a:extLst>
           </p:cNvPr>
@@ -25654,8 +25654,8 @@
         </p:blipFill>
         <p:spPr>
           <a:xfrm>
-            <a:off x="8315440" y="3536607"/>
-            <a:ext cx="2885507" cy="451987"/>
+            <a:off x="8315440" y="3536608"/>
+            <a:ext cx="1562301" cy="451987"/>
           </a:xfrm>
           <a:prstGeom prst="rect">
             <a:avLst/>
@@ -29435,10 +29435,10 @@
 <p:tagLst xmlns:a="http://schemas.openxmlformats.org/drawingml/2006/main" xmlns:r="http://schemas.openxmlformats.org/officeDocument/2006/relationships" xmlns:p="http://schemas.openxmlformats.org/presentationml/2006/main">
   <p:tag name="OUTPUTDPI" val="1200"/>
   <p:tag name="ORIGINALHEIGHT" val="103.4871"/>
-  <p:tag name="ORIGINALWIDTH" val="660.6674"/>
-  <p:tag name="LATEXADDIN" val="\documentclass{article}&#10;\usepackage{amsmath}&#10;\pagestyle{empty}&#10;\begin{document}&#10;&#10;$Z_2  = n_A + 1$&#10;&#10;&#10;\end{document}"/>
+  <p:tag name="ORIGINALWIDTH" val="357.7053"/>
+  <p:tag name="LATEXADDIN" val="\documentclass{article}&#10;\usepackage{amsmath}&#10;\pagestyle{empty}&#10;\begin{document}&#10;&#10;$Z_2  = 0$&#10;&#10;&#10;\end{document}"/>
   <p:tag name="IGUANATEXSIZE" val="20"/>
-  <p:tag name="IGUANATEXCURSOR" val="96"/>
+  <p:tag name="IGUANATEXCURSOR" val="90"/>
   <p:tag name="TRANSPARENCY" val="True"/>
   <p:tag name="LATEXENGINEID" val="0"/>
   <p:tag name="TEMPFOLDER" val="c:\temp\"/>
